--- a/OC_IML_P8_Presentation.pptx
+++ b/OC_IML_P8_Presentation.pptx
@@ -6702,60 +6702,8 @@
             </a:r>
             <a:r>
               <a:rPr lang="fr-FR" dirty="0"/>
-              <a:t> : </a:t>
-            </a:r>
-            <a:r>
-              <a:rPr lang="fr-FR" b="0" i="0" dirty="0">
-                <a:effectLst/>
-                <a:latin typeface="Inter"/>
-              </a:rPr>
-              <a:t>Great </a:t>
-            </a:r>
-            <a:r>
-              <a:rPr lang="fr-FR" b="0" i="0" dirty="0" err="1">
-                <a:effectLst/>
-                <a:latin typeface="Inter"/>
-              </a:rPr>
-              <a:t>Barrier</a:t>
-            </a:r>
-            <a:r>
-              <a:rPr lang="fr-FR" b="0" i="0" dirty="0">
-                <a:effectLst/>
-                <a:latin typeface="Inter"/>
-              </a:rPr>
-              <a:t> </a:t>
-            </a:r>
-            <a:r>
-              <a:rPr lang="fr-FR" b="0" i="0" dirty="0" err="1">
-                <a:effectLst/>
-                <a:latin typeface="Inter"/>
-              </a:rPr>
-              <a:t>Reef</a:t>
-            </a:r>
-            <a:r>
-              <a:rPr lang="fr-FR" b="0" i="0" dirty="0">
-                <a:effectLst/>
-                <a:latin typeface="Inter"/>
-              </a:rPr>
-              <a:t> </a:t>
-            </a:r>
-            <a:r>
-              <a:rPr lang="fr-FR" b="0" i="0" dirty="0" err="1">
-                <a:effectLst/>
-                <a:latin typeface="Inter"/>
-              </a:rPr>
-              <a:t>Foundation</a:t>
-            </a:r>
-            <a:endParaRPr lang="fr-FR" b="0" i="0" dirty="0">
-              <a:effectLst/>
-              <a:latin typeface="Inter"/>
-            </a:endParaRPr>
-          </a:p>
-          <a:p>
-            <a:pPr marL="0" indent="0">
-              <a:buNone/>
-            </a:pPr>
-            <a:endParaRPr lang="fr-FR" dirty="0"/>
+              <a:t> : l'agence scientifique nationale australienne, CSIRO et Google</a:t>
+            </a:r>
           </a:p>
           <a:p>
             <a:pPr marL="0" indent="0">
@@ -8159,7 +8107,7 @@
         </p:spPr>
         <p:txBody>
           <a:bodyPr vert="horz" lIns="91440" tIns="45720" rIns="91440" bIns="45720" rtlCol="0">
-            <a:normAutofit/>
+            <a:normAutofit fontScale="85000" lnSpcReduction="10000"/>
           </a:bodyPr>
           <a:lstStyle/>
           <a:p>
@@ -8223,7 +8171,39 @@
             </a:r>
             <a:r>
               <a:rPr lang="en-US" sz="2400" dirty="0"/>
-              <a:t>. Ce qui </a:t>
+              <a:t>. Il </a:t>
+            </a:r>
+            <a:r>
+              <a:rPr lang="en-US" sz="2400" dirty="0" err="1"/>
+              <a:t>accorde</a:t>
+            </a:r>
+            <a:r>
+              <a:rPr lang="en-US" sz="2400" dirty="0"/>
+              <a:t> plus </a:t>
+            </a:r>
+            <a:r>
+              <a:rPr lang="en-US" sz="2400" dirty="0" err="1"/>
+              <a:t>d’importance</a:t>
+            </a:r>
+            <a:r>
+              <a:rPr lang="en-US" sz="2400" dirty="0"/>
+              <a:t> au recall </a:t>
+            </a:r>
+            <a:r>
+              <a:rPr lang="en-US" sz="2400" dirty="0" err="1"/>
+              <a:t>qu’à</a:t>
+            </a:r>
+            <a:r>
+              <a:rPr lang="en-US" sz="2400" dirty="0"/>
+              <a:t> la </a:t>
+            </a:r>
+            <a:r>
+              <a:rPr lang="en-US" sz="2400" dirty="0" err="1"/>
+              <a:t>précission</a:t>
+            </a:r>
+            <a:r>
+              <a:rPr lang="en-US" sz="2400" dirty="0"/>
+              <a:t> Ce qui </a:t>
             </a:r>
             <a:r>
               <a:rPr lang="en-US" sz="2400" dirty="0" err="1"/>
@@ -8239,7 +8219,15 @@
             </a:r>
             <a:r>
               <a:rPr lang="en-US" sz="2400" dirty="0"/>
-              <a:t> context </a:t>
+              <a:t> </a:t>
+            </a:r>
+            <a:r>
+              <a:rPr lang="en-US" sz="2400" dirty="0" err="1"/>
+              <a:t>contexte</a:t>
+            </a:r>
+            <a:r>
+              <a:rPr lang="en-US" sz="2400" dirty="0"/>
+              <a:t> </a:t>
             </a:r>
             <a:r>
               <a:rPr lang="en-US" sz="2400" dirty="0" err="1"/>
@@ -8281,6 +8269,52 @@
               <a:rPr lang="en-US" sz="2400" dirty="0"/>
               <a:t> possible. </a:t>
             </a:r>
+          </a:p>
+          <a:p>
+            <a:pPr marL="342900" indent="-228600">
+              <a:lnSpc>
+                <a:spcPct val="90000"/>
+              </a:lnSpc>
+              <a:spcAft>
+                <a:spcPts val="600"/>
+              </a:spcAft>
+              <a:buFont typeface="Arial" panose="020B0604020202020204" pitchFamily="34" charset="0"/>
+              <a:buChar char="•"/>
+            </a:pPr>
+            <a:endParaRPr lang="en-US" sz="2400" dirty="0"/>
+          </a:p>
+          <a:p>
+            <a:pPr marL="342900" indent="-228600">
+              <a:lnSpc>
+                <a:spcPct val="90000"/>
+              </a:lnSpc>
+              <a:spcAft>
+                <a:spcPts val="600"/>
+              </a:spcAft>
+              <a:buFont typeface="Arial" panose="020B0604020202020204" pitchFamily="34" charset="0"/>
+              <a:buChar char="•"/>
+            </a:pPr>
+            <a:r>
+              <a:rPr lang="fr-FR" sz="2400" dirty="0"/>
+              <a:t>Précision = proportion des items pertinents (TP) parmi l'ensemble des items proposés (TP+FP) ;</a:t>
+            </a:r>
+          </a:p>
+          <a:p>
+            <a:pPr marL="342900" indent="-228600">
+              <a:lnSpc>
+                <a:spcPct val="90000"/>
+              </a:lnSpc>
+              <a:spcAft>
+                <a:spcPts val="600"/>
+              </a:spcAft>
+              <a:buFont typeface="Arial" panose="020B0604020202020204" pitchFamily="34" charset="0"/>
+              <a:buChar char="•"/>
+            </a:pPr>
+            <a:r>
+              <a:rPr lang="fr-FR" sz="2400" dirty="0"/>
+              <a:t>Rappel = proportion des items pertinents (TP) proposés parmi l'ensemble des items pertinents (TP+FN)</a:t>
+            </a:r>
+            <a:endParaRPr lang="en-US" sz="2400" dirty="0"/>
           </a:p>
           <a:p>
             <a:pPr marL="342900" indent="-228600">
